--- a/slide.pptx
+++ b/slide.pptx
@@ -8,8 +8,8 @@
     <p:sldId id="256" r:id="rId2"/>
     <p:sldId id="264" r:id="rId3"/>
     <p:sldId id="257" r:id="rId4"/>
-    <p:sldId id="258" r:id="rId5"/>
-    <p:sldId id="266" r:id="rId6"/>
+    <p:sldId id="274" r:id="rId5"/>
+    <p:sldId id="258" r:id="rId6"/>
     <p:sldId id="260" r:id="rId7"/>
     <p:sldId id="262" r:id="rId8"/>
     <p:sldId id="263" r:id="rId9"/>
@@ -121,6 +121,11 @@
       </a:defRPr>
     </a:lvl9pPr>
   </p:defaultTextStyle>
+  <p:extLst>
+    <p:ext uri="{EFAFB233-063F-42B5-8137-9DF3F51BA10A}">
+      <p15:sldGuideLst xmlns:p15="http://schemas.microsoft.com/office/powerpoint/2012/main"/>
+    </p:ext>
+  </p:extLst>
 </p:presentation>
 </file>
 
@@ -894,8 +899,9 @@
         <a:p>
           <a:r>
             <a:rPr lang="en-US" dirty="0" smtClean="0"/>
-            <a:t>Tools you’ll need</a:t>
+            <a:t>Background</a:t>
           </a:r>
+          <a:endParaRPr lang="en-US" dirty="0" smtClean="0"/>
         </a:p>
       </dgm:t>
     </dgm:pt>
@@ -1004,6 +1010,13 @@
         </dgm:presLayoutVars>
       </dgm:prSet>
       <dgm:spPr/>
+      <dgm:t>
+        <a:bodyPr/>
+        <a:lstStyle/>
+        <a:p>
+          <a:endParaRPr lang="en-US"/>
+        </a:p>
+      </dgm:t>
     </dgm:pt>
     <dgm:pt modelId="{261BFA92-6FB5-48CD-8A1E-1EDF077C2F54}" type="pres">
       <dgm:prSet presAssocID="{6EF1287C-DBC6-4760-9F24-2B2D1ACB75E1}" presName="parentLin" presStyleCnt="0"/>
@@ -1012,6 +1025,13 @@
     <dgm:pt modelId="{F96CF0E8-6E06-45B9-A8D7-94F826B90C9B}" type="pres">
       <dgm:prSet presAssocID="{6EF1287C-DBC6-4760-9F24-2B2D1ACB75E1}" presName="parentLeftMargin" presStyleLbl="node1" presStyleIdx="0" presStyleCnt="3"/>
       <dgm:spPr/>
+      <dgm:t>
+        <a:bodyPr/>
+        <a:lstStyle/>
+        <a:p>
+          <a:endParaRPr lang="en-US"/>
+        </a:p>
+      </dgm:t>
     </dgm:pt>
     <dgm:pt modelId="{07DAB7C5-8B62-461C-8C96-2A58A91EBACA}" type="pres">
       <dgm:prSet presAssocID="{6EF1287C-DBC6-4760-9F24-2B2D1ACB75E1}" presName="parentText" presStyleLbl="node1" presStyleIdx="0" presStyleCnt="3">
@@ -1052,6 +1072,13 @@
     <dgm:pt modelId="{08AD040E-7E18-4CB1-B4CB-95F49B72C2CE}" type="pres">
       <dgm:prSet presAssocID="{FF878CAF-79D4-4234-927B-468D26A75909}" presName="parentLeftMargin" presStyleLbl="node1" presStyleIdx="0" presStyleCnt="3"/>
       <dgm:spPr/>
+      <dgm:t>
+        <a:bodyPr/>
+        <a:lstStyle/>
+        <a:p>
+          <a:endParaRPr lang="en-US"/>
+        </a:p>
+      </dgm:t>
     </dgm:pt>
     <dgm:pt modelId="{0FF5EB14-62B1-4178-AD06-24023D19F2CF}" type="pres">
       <dgm:prSet presAssocID="{FF878CAF-79D4-4234-927B-468D26A75909}" presName="parentText" presStyleLbl="node1" presStyleIdx="1" presStyleCnt="3">
@@ -1061,6 +1088,13 @@
         </dgm:presLayoutVars>
       </dgm:prSet>
       <dgm:spPr/>
+      <dgm:t>
+        <a:bodyPr/>
+        <a:lstStyle/>
+        <a:p>
+          <a:endParaRPr lang="en-US"/>
+        </a:p>
+      </dgm:t>
     </dgm:pt>
     <dgm:pt modelId="{DF863612-F432-488C-B890-F55E92992181}" type="pres">
       <dgm:prSet presAssocID="{FF878CAF-79D4-4234-927B-468D26A75909}" presName="negativeSpace" presStyleCnt="0"/>
@@ -1085,6 +1119,13 @@
     <dgm:pt modelId="{8ED5C8B3-B940-497D-A6CF-85FD142EBDE6}" type="pres">
       <dgm:prSet presAssocID="{AD218B6E-2EC5-4814-8A60-F58FB54BEECA}" presName="parentLeftMargin" presStyleLbl="node1" presStyleIdx="1" presStyleCnt="3"/>
       <dgm:spPr/>
+      <dgm:t>
+        <a:bodyPr/>
+        <a:lstStyle/>
+        <a:p>
+          <a:endParaRPr lang="en-US"/>
+        </a:p>
+      </dgm:t>
     </dgm:pt>
     <dgm:pt modelId="{10B59194-B522-46E7-9BD6-25A8DC6F1118}" type="pres">
       <dgm:prSet presAssocID="{AD218B6E-2EC5-4814-8A60-F58FB54BEECA}" presName="parentText" presStyleLbl="node1" presStyleIdx="2" presStyleCnt="3">
@@ -1116,16 +1157,16 @@
     </dgm:pt>
   </dgm:ptLst>
   <dgm:cxnLst>
+    <dgm:cxn modelId="{6EB9B0EC-CA11-4A91-AA4A-64392ADCBFDF}" type="presOf" srcId="{FF878CAF-79D4-4234-927B-468D26A75909}" destId="{0FF5EB14-62B1-4178-AD06-24023D19F2CF}" srcOrd="1" destOrd="0" presId="urn:microsoft.com/office/officeart/2005/8/layout/list1"/>
+    <dgm:cxn modelId="{3B4BF89D-B406-4750-AFEF-34554418F337}" type="presOf" srcId="{6EF1287C-DBC6-4760-9F24-2B2D1ACB75E1}" destId="{F96CF0E8-6E06-45B9-A8D7-94F826B90C9B}" srcOrd="0" destOrd="0" presId="urn:microsoft.com/office/officeart/2005/8/layout/list1"/>
+    <dgm:cxn modelId="{11ECDC9A-F6C5-425D-86AC-8DE63F992E02}" srcId="{6E3F2CD0-87B4-49F2-BF14-084131461573}" destId="{AD218B6E-2EC5-4814-8A60-F58FB54BEECA}" srcOrd="2" destOrd="0" parTransId="{8785C065-8437-4F1D-B6A1-561A3FDF4892}" sibTransId="{9A5F24E0-AF9B-4FA0-A4C6-83EE61AD9493}"/>
+    <dgm:cxn modelId="{89B4CC16-7777-4F35-A75B-A028610DBEA1}" srcId="{6E3F2CD0-87B4-49F2-BF14-084131461573}" destId="{6EF1287C-DBC6-4760-9F24-2B2D1ACB75E1}" srcOrd="0" destOrd="0" parTransId="{D992D026-B474-48B0-AC5B-050CD0FFAC29}" sibTransId="{96E3D2A3-4580-44CB-8DB1-E94EC3EE289B}"/>
+    <dgm:cxn modelId="{21446EB8-65FC-4C63-BAAC-1F0105FB3895}" type="presOf" srcId="{6EF1287C-DBC6-4760-9F24-2B2D1ACB75E1}" destId="{07DAB7C5-8B62-461C-8C96-2A58A91EBACA}" srcOrd="1" destOrd="0" presId="urn:microsoft.com/office/officeart/2005/8/layout/list1"/>
+    <dgm:cxn modelId="{AA0DDF5D-3EB6-463A-AEB2-C26BAEC158F5}" type="presOf" srcId="{6E3F2CD0-87B4-49F2-BF14-084131461573}" destId="{30234E40-50E2-4D92-B216-BA804B5D8436}" srcOrd="0" destOrd="0" presId="urn:microsoft.com/office/officeart/2005/8/layout/list1"/>
+    <dgm:cxn modelId="{1EED67F7-5885-449A-B878-21523DC30F18}" srcId="{6E3F2CD0-87B4-49F2-BF14-084131461573}" destId="{FF878CAF-79D4-4234-927B-468D26A75909}" srcOrd="1" destOrd="0" parTransId="{DB6AFBCA-3759-4F6F-A726-8220435EBD4F}" sibTransId="{D2BDF73D-3B65-40B7-B092-1CCB01AB2D35}"/>
+    <dgm:cxn modelId="{8F63B3E3-D58E-41DE-A8B9-2B03D415719B}" type="presOf" srcId="{AD218B6E-2EC5-4814-8A60-F58FB54BEECA}" destId="{10B59194-B522-46E7-9BD6-25A8DC6F1118}" srcOrd="1" destOrd="0" presId="urn:microsoft.com/office/officeart/2005/8/layout/list1"/>
+    <dgm:cxn modelId="{BEB70C9B-667B-401E-A764-FC9809CB46FB}" type="presOf" srcId="{AD218B6E-2EC5-4814-8A60-F58FB54BEECA}" destId="{8ED5C8B3-B940-497D-A6CF-85FD142EBDE6}" srcOrd="0" destOrd="0" presId="urn:microsoft.com/office/officeart/2005/8/layout/list1"/>
     <dgm:cxn modelId="{64161232-3DF4-46EC-848B-653E79DCD626}" type="presOf" srcId="{FF878CAF-79D4-4234-927B-468D26A75909}" destId="{08AD040E-7E18-4CB1-B4CB-95F49B72C2CE}" srcOrd="0" destOrd="0" presId="urn:microsoft.com/office/officeart/2005/8/layout/list1"/>
-    <dgm:cxn modelId="{BEB70C9B-667B-401E-A764-FC9809CB46FB}" type="presOf" srcId="{AD218B6E-2EC5-4814-8A60-F58FB54BEECA}" destId="{8ED5C8B3-B940-497D-A6CF-85FD142EBDE6}" srcOrd="0" destOrd="0" presId="urn:microsoft.com/office/officeart/2005/8/layout/list1"/>
-    <dgm:cxn modelId="{8F63B3E3-D58E-41DE-A8B9-2B03D415719B}" type="presOf" srcId="{AD218B6E-2EC5-4814-8A60-F58FB54BEECA}" destId="{10B59194-B522-46E7-9BD6-25A8DC6F1118}" srcOrd="1" destOrd="0" presId="urn:microsoft.com/office/officeart/2005/8/layout/list1"/>
-    <dgm:cxn modelId="{6EB9B0EC-CA11-4A91-AA4A-64392ADCBFDF}" type="presOf" srcId="{FF878CAF-79D4-4234-927B-468D26A75909}" destId="{0FF5EB14-62B1-4178-AD06-24023D19F2CF}" srcOrd="1" destOrd="0" presId="urn:microsoft.com/office/officeart/2005/8/layout/list1"/>
-    <dgm:cxn modelId="{11ECDC9A-F6C5-425D-86AC-8DE63F992E02}" srcId="{6E3F2CD0-87B4-49F2-BF14-084131461573}" destId="{AD218B6E-2EC5-4814-8A60-F58FB54BEECA}" srcOrd="2" destOrd="0" parTransId="{8785C065-8437-4F1D-B6A1-561A3FDF4892}" sibTransId="{9A5F24E0-AF9B-4FA0-A4C6-83EE61AD9493}"/>
-    <dgm:cxn modelId="{AA0DDF5D-3EB6-463A-AEB2-C26BAEC158F5}" type="presOf" srcId="{6E3F2CD0-87B4-49F2-BF14-084131461573}" destId="{30234E40-50E2-4D92-B216-BA804B5D8436}" srcOrd="0" destOrd="0" presId="urn:microsoft.com/office/officeart/2005/8/layout/list1"/>
-    <dgm:cxn modelId="{89B4CC16-7777-4F35-A75B-A028610DBEA1}" srcId="{6E3F2CD0-87B4-49F2-BF14-084131461573}" destId="{6EF1287C-DBC6-4760-9F24-2B2D1ACB75E1}" srcOrd="0" destOrd="0" parTransId="{D992D026-B474-48B0-AC5B-050CD0FFAC29}" sibTransId="{96E3D2A3-4580-44CB-8DB1-E94EC3EE289B}"/>
-    <dgm:cxn modelId="{1EED67F7-5885-449A-B878-21523DC30F18}" srcId="{6E3F2CD0-87B4-49F2-BF14-084131461573}" destId="{FF878CAF-79D4-4234-927B-468D26A75909}" srcOrd="1" destOrd="0" parTransId="{DB6AFBCA-3759-4F6F-A726-8220435EBD4F}" sibTransId="{D2BDF73D-3B65-40B7-B092-1CCB01AB2D35}"/>
-    <dgm:cxn modelId="{21446EB8-65FC-4C63-BAAC-1F0105FB3895}" type="presOf" srcId="{6EF1287C-DBC6-4760-9F24-2B2D1ACB75E1}" destId="{07DAB7C5-8B62-461C-8C96-2A58A91EBACA}" srcOrd="1" destOrd="0" presId="urn:microsoft.com/office/officeart/2005/8/layout/list1"/>
-    <dgm:cxn modelId="{3B4BF89D-B406-4750-AFEF-34554418F337}" type="presOf" srcId="{6EF1287C-DBC6-4760-9F24-2B2D1ACB75E1}" destId="{F96CF0E8-6E06-45B9-A8D7-94F826B90C9B}" srcOrd="0" destOrd="0" presId="urn:microsoft.com/office/officeart/2005/8/layout/list1"/>
     <dgm:cxn modelId="{8CDA7E39-CEFB-4E3C-8B4C-B86E9D36E399}" type="presParOf" srcId="{30234E40-50E2-4D92-B216-BA804B5D8436}" destId="{261BFA92-6FB5-48CD-8A1E-1EDF077C2F54}" srcOrd="0" destOrd="0" presId="urn:microsoft.com/office/officeart/2005/8/layout/list1"/>
     <dgm:cxn modelId="{BB620E55-6FDB-466E-B07B-6D5C60EC88D9}" type="presParOf" srcId="{261BFA92-6FB5-48CD-8A1E-1EDF077C2F54}" destId="{F96CF0E8-6E06-45B9-A8D7-94F826B90C9B}" srcOrd="0" destOrd="0" presId="urn:microsoft.com/office/officeart/2005/8/layout/list1"/>
     <dgm:cxn modelId="{AA1B0540-06C2-4564-B6D3-6C56574661F8}" type="presParOf" srcId="{261BFA92-6FB5-48CD-8A1E-1EDF077C2F54}" destId="{07DAB7C5-8B62-461C-8C96-2A58A91EBACA}" srcOrd="1" destOrd="0" presId="urn:microsoft.com/office/officeart/2005/8/layout/list1"/>
@@ -1277,8 +1318,9 @@
           </a:pPr>
           <a:r>
             <a:rPr lang="en-US" sz="2600" kern="1200" dirty="0" smtClean="0"/>
-            <a:t>Tools you’ll need</a:t>
+            <a:t>Background</a:t>
           </a:r>
+          <a:endParaRPr lang="en-US" sz="2600" kern="1200" dirty="0" smtClean="0"/>
         </a:p>
       </dsp:txBody>
       <dsp:txXfrm>
@@ -3261,7 +3303,7 @@
           <a:p>
             <a:fld id="{095BB9C0-128C-459D-9187-DE4F039092CC}" type="datetimeFigureOut">
               <a:rPr lang="en-US" smtClean="0"/>
-              <a:t>11/15/2019</a:t>
+              <a:t>11/16/2019</a:t>
             </a:fld>
             <a:endParaRPr lang="en-US"/>
           </a:p>
@@ -3463,7 +3505,7 @@
           <a:p>
             <a:fld id="{095BB9C0-128C-459D-9187-DE4F039092CC}" type="datetimeFigureOut">
               <a:rPr lang="en-US" smtClean="0"/>
-              <a:t>11/15/2019</a:t>
+              <a:t>11/16/2019</a:t>
             </a:fld>
             <a:endParaRPr lang="en-US"/>
           </a:p>
@@ -3643,7 +3685,7 @@
           <a:p>
             <a:fld id="{095BB9C0-128C-459D-9187-DE4F039092CC}" type="datetimeFigureOut">
               <a:rPr lang="en-US" smtClean="0"/>
-              <a:t>11/15/2019</a:t>
+              <a:t>11/16/2019</a:t>
             </a:fld>
             <a:endParaRPr lang="en-US"/>
           </a:p>
@@ -3813,7 +3855,7 @@
           <a:p>
             <a:fld id="{095BB9C0-128C-459D-9187-DE4F039092CC}" type="datetimeFigureOut">
               <a:rPr lang="en-US" smtClean="0"/>
-              <a:t>11/15/2019</a:t>
+              <a:t>11/16/2019</a:t>
             </a:fld>
             <a:endParaRPr lang="en-US"/>
           </a:p>
@@ -4384,7 +4426,7 @@
           <a:p>
             <a:fld id="{095BB9C0-128C-459D-9187-DE4F039092CC}" type="datetimeFigureOut">
               <a:rPr lang="en-US" smtClean="0"/>
-              <a:t>11/15/2019</a:t>
+              <a:t>11/16/2019</a:t>
             </a:fld>
             <a:endParaRPr lang="en-US"/>
           </a:p>
@@ -4686,7 +4728,7 @@
           <a:p>
             <a:fld id="{095BB9C0-128C-459D-9187-DE4F039092CC}" type="datetimeFigureOut">
               <a:rPr lang="en-US" smtClean="0"/>
-              <a:t>11/15/2019</a:t>
+              <a:t>11/16/2019</a:t>
             </a:fld>
             <a:endParaRPr lang="en-US"/>
           </a:p>
@@ -5123,7 +5165,7 @@
           <a:p>
             <a:fld id="{095BB9C0-128C-459D-9187-DE4F039092CC}" type="datetimeFigureOut">
               <a:rPr lang="en-US" smtClean="0"/>
-              <a:t>11/15/2019</a:t>
+              <a:t>11/16/2019</a:t>
             </a:fld>
             <a:endParaRPr lang="en-US"/>
           </a:p>
@@ -5241,7 +5283,7 @@
           <a:p>
             <a:fld id="{095BB9C0-128C-459D-9187-DE4F039092CC}" type="datetimeFigureOut">
               <a:rPr lang="en-US" smtClean="0"/>
-              <a:t>11/15/2019</a:t>
+              <a:t>11/16/2019</a:t>
             </a:fld>
             <a:endParaRPr lang="en-US"/>
           </a:p>
@@ -5336,7 +5378,7 @@
           <a:p>
             <a:fld id="{095BB9C0-128C-459D-9187-DE4F039092CC}" type="datetimeFigureOut">
               <a:rPr lang="en-US" smtClean="0"/>
-              <a:t>11/15/2019</a:t>
+              <a:t>11/16/2019</a:t>
             </a:fld>
             <a:endParaRPr lang="en-US"/>
           </a:p>
@@ -5718,7 +5760,7 @@
           <a:p>
             <a:fld id="{095BB9C0-128C-459D-9187-DE4F039092CC}" type="datetimeFigureOut">
               <a:rPr lang="en-US" smtClean="0"/>
-              <a:t>11/15/2019</a:t>
+              <a:t>11/16/2019</a:t>
             </a:fld>
             <a:endParaRPr lang="en-US"/>
           </a:p>
@@ -6112,7 +6154,7 @@
           <a:p>
             <a:fld id="{095BB9C0-128C-459D-9187-DE4F039092CC}" type="datetimeFigureOut">
               <a:rPr lang="en-US" smtClean="0"/>
-              <a:t>11/15/2019</a:t>
+              <a:t>11/16/2019</a:t>
             </a:fld>
             <a:endParaRPr lang="en-US"/>
           </a:p>
@@ -6425,7 +6467,7 @@
           <a:p>
             <a:fld id="{095BB9C0-128C-459D-9187-DE4F039092CC}" type="datetimeFigureOut">
               <a:rPr lang="en-US" smtClean="0"/>
-              <a:t>11/15/2019</a:t>
+              <a:t>11/16/2019</a:t>
             </a:fld>
             <a:endParaRPr lang="en-US"/>
           </a:p>
@@ -8070,15 +8112,13 @@
           <a:p>
             <a:r>
               <a:rPr lang="en-US" dirty="0" smtClean="0"/>
-              <a:t>Beginner friendly</a:t>
-            </a:r>
-          </a:p>
-          <a:p>
+              <a:t>Beginner </a:t>
+            </a:r>
             <a:r>
               <a:rPr lang="en-US" dirty="0" smtClean="0"/>
-              <a:t> </a:t>
-            </a:r>
-            <a:endParaRPr lang="en-US" dirty="0"/>
+              <a:t>friendly</a:t>
+            </a:r>
+            <a:endParaRPr lang="en-US" dirty="0" smtClean="0"/>
           </a:p>
         </p:txBody>
       </p:sp>
@@ -8142,7 +8182,7 @@
           <p:nvPr>
             <p:extLst>
               <p:ext uri="{D42A27DB-BD31-4B8C-83A1-F6EECF244321}">
-                <p14:modId xmlns:p14="http://schemas.microsoft.com/office/powerpoint/2010/main" val="2359933848"/>
+                <p14:modId xmlns:p14="http://schemas.microsoft.com/office/powerpoint/2010/main" val="432856775"/>
               </p:ext>
             </p:extLst>
           </p:nvPr>
@@ -8204,7 +8244,7 @@
           <a:p>
             <a:r>
               <a:rPr lang="en-US" dirty="0" smtClean="0"/>
-              <a:t>Tools</a:t>
+              <a:t>What is a Chrome extension?</a:t>
             </a:r>
             <a:endParaRPr lang="en-US" dirty="0"/>
           </a:p>
@@ -8220,108 +8260,128 @@
             <p:ph idx="1"/>
           </p:nvPr>
         </p:nvSpPr>
-        <p:spPr/>
+        <p:spPr>
+          <a:xfrm>
+            <a:off x="772733" y="2025941"/>
+            <a:ext cx="10058400" cy="3931920"/>
+          </a:xfrm>
+        </p:spPr>
         <p:txBody>
           <a:bodyPr/>
           <a:lstStyle/>
           <a:p>
             <a:r>
               <a:rPr lang="en-US" dirty="0" smtClean="0"/>
-              <a:t>Clone/Download </a:t>
-            </a:r>
-            <a:r>
-              <a:rPr lang="en-US" dirty="0"/>
-              <a:t>the repository: </a:t>
-            </a:r>
-            <a:r>
-              <a:rPr lang="en-US" dirty="0">
-                <a:hlinkClick r:id="rId2"/>
-              </a:rPr>
-              <a:t>https://</a:t>
-            </a:r>
-            <a:r>
-              <a:rPr lang="en-US" dirty="0" smtClean="0">
-                <a:hlinkClick r:id="rId2"/>
-              </a:rPr>
-              <a:t>z.umn.edu/wits-chrome</a:t>
-            </a:r>
+              <a:t>Program that runs in Chrome browser</a:t>
+            </a:r>
+          </a:p>
+          <a:p>
             <a:r>
               <a:rPr lang="en-US" dirty="0" smtClean="0"/>
-              <a:t> </a:t>
-            </a:r>
+              <a:t>JavaScript, CSS, HTML</a:t>
+            </a:r>
+          </a:p>
+          <a:p>
+            <a:r>
+              <a:rPr lang="en-US" dirty="0" smtClean="0"/>
+              <a:t>Customize and extend the functionality of Chrome</a:t>
+            </a:r>
+          </a:p>
+          <a:p>
+            <a:r>
+              <a:rPr lang="en-US" dirty="0" smtClean="0"/>
+              <a:t>Some examples:</a:t>
+            </a:r>
+          </a:p>
+          <a:p>
             <a:endParaRPr lang="en-US" dirty="0"/>
           </a:p>
-          <a:p>
-            <a:r>
-              <a:rPr lang="en-US" dirty="0" smtClean="0"/>
-              <a:t>Google Chrome - </a:t>
-            </a:r>
-            <a:r>
-              <a:rPr lang="en-US" dirty="0">
-                <a:hlinkClick r:id="rId3"/>
-              </a:rPr>
-              <a:t>https://www.google.com/chrome</a:t>
-            </a:r>
-            <a:r>
-              <a:rPr lang="en-US" dirty="0" smtClean="0">
-                <a:hlinkClick r:id="rId3"/>
-              </a:rPr>
-              <a:t>/</a:t>
-            </a:r>
-            <a:endParaRPr lang="en-US" dirty="0" smtClean="0"/>
-          </a:p>
-          <a:p>
-            <a:r>
-              <a:rPr lang="en-US" dirty="0" smtClean="0"/>
-              <a:t>Text editor:</a:t>
-            </a:r>
-          </a:p>
-          <a:p>
-            <a:pPr lvl="1"/>
-            <a:r>
-              <a:rPr lang="en-US" dirty="0" smtClean="0"/>
-              <a:t>VS Code – </a:t>
-            </a:r>
-            <a:r>
-              <a:rPr lang="en-US" dirty="0">
-                <a:hlinkClick r:id="rId4"/>
-              </a:rPr>
-              <a:t>https://code.visualstudio.com</a:t>
-            </a:r>
-            <a:r>
-              <a:rPr lang="en-US" dirty="0" smtClean="0">
-                <a:hlinkClick r:id="rId4"/>
-              </a:rPr>
-              <a:t>/</a:t>
-            </a:r>
-            <a:endParaRPr lang="en-US" dirty="0" smtClean="0"/>
-          </a:p>
-          <a:p>
-            <a:pPr lvl="1"/>
-            <a:r>
-              <a:rPr lang="en-US" dirty="0" smtClean="0"/>
-              <a:t>Atom –  </a:t>
-            </a:r>
-            <a:r>
-              <a:rPr lang="en-US" dirty="0">
-                <a:hlinkClick r:id="rId5"/>
-              </a:rPr>
-              <a:t>https://atom.io</a:t>
-            </a:r>
-            <a:r>
-              <a:rPr lang="en-US" dirty="0" smtClean="0">
-                <a:hlinkClick r:id="rId5"/>
-              </a:rPr>
-              <a:t>/</a:t>
-            </a:r>
-            <a:endParaRPr lang="en-US" dirty="0" smtClean="0"/>
-          </a:p>
-        </p:txBody>
-      </p:sp>
+        </p:txBody>
+      </p:sp>
+      <p:pic>
+        <p:nvPicPr>
+          <p:cNvPr id="1026" name="Picture 2" descr="Image result for grammarly"/>
+          <p:cNvPicPr>
+            <a:picLocks noChangeAspect="1" noChangeArrowheads="1"/>
+          </p:cNvPicPr>
+          <p:nvPr/>
+        </p:nvPicPr>
+        <p:blipFill rotWithShape="1">
+          <a:blip r:embed="rId2">
+            <a:extLst>
+              <a:ext uri="{28A0092B-C50C-407E-A947-70E740481C1C}">
+                <a14:useLocalDpi xmlns:a14="http://schemas.microsoft.com/office/drawing/2010/main" val="0"/>
+              </a:ext>
+            </a:extLst>
+          </a:blip>
+          <a:srcRect l="18695" t="29891" r="20797" b="32000"/>
+          <a:stretch/>
+        </p:blipFill>
+        <p:spPr bwMode="auto">
+          <a:xfrm>
+            <a:off x="2133482" y="3773542"/>
+            <a:ext cx="3266706" cy="1076736"/>
+          </a:xfrm>
+          <a:prstGeom prst="rect">
+            <a:avLst/>
+          </a:prstGeom>
+          <a:noFill/>
+          <a:extLst>
+            <a:ext uri="{909E8E84-426E-40DD-AFC4-6F175D3DCCD1}">
+              <a14:hiddenFill xmlns:a14="http://schemas.microsoft.com/office/drawing/2010/main">
+                <a:solidFill>
+                  <a:srgbClr val="FFFFFF"/>
+                </a:solidFill>
+              </a14:hiddenFill>
+            </a:ext>
+          </a:extLst>
+        </p:spPr>
+      </p:pic>
+      <p:pic>
+        <p:nvPicPr>
+          <p:cNvPr id="1028" name="Picture 4" descr="Image result for adblock logo"/>
+          <p:cNvPicPr>
+            <a:picLocks noChangeAspect="1" noChangeArrowheads="1"/>
+          </p:cNvPicPr>
+          <p:nvPr/>
+        </p:nvPicPr>
+        <p:blipFill>
+          <a:blip r:embed="rId3" cstate="print">
+            <a:extLst>
+              <a:ext uri="{28A0092B-C50C-407E-A947-70E740481C1C}">
+                <a14:useLocalDpi xmlns:a14="http://schemas.microsoft.com/office/drawing/2010/main" val="0"/>
+              </a:ext>
+            </a:extLst>
+          </a:blip>
+          <a:srcRect/>
+          <a:stretch>
+            <a:fillRect/>
+          </a:stretch>
+        </p:blipFill>
+        <p:spPr bwMode="auto">
+          <a:xfrm>
+            <a:off x="6347007" y="3773542"/>
+            <a:ext cx="3111953" cy="1076736"/>
+          </a:xfrm>
+          <a:prstGeom prst="rect">
+            <a:avLst/>
+          </a:prstGeom>
+          <a:noFill/>
+          <a:extLst>
+            <a:ext uri="{909E8E84-426E-40DD-AFC4-6F175D3DCCD1}">
+              <a14:hiddenFill xmlns:a14="http://schemas.microsoft.com/office/drawing/2010/main">
+                <a:solidFill>
+                  <a:srgbClr val="FFFFFF"/>
+                </a:solidFill>
+              </a14:hiddenFill>
+            </a:ext>
+          </a:extLst>
+        </p:spPr>
+      </p:pic>
     </p:spTree>
     <p:extLst>
       <p:ext uri="{BB962C8B-B14F-4D97-AF65-F5344CB8AC3E}">
-        <p14:creationId xmlns:p14="http://schemas.microsoft.com/office/powerpoint/2010/main" val="477294762"/>
+        <p14:creationId xmlns:p14="http://schemas.microsoft.com/office/powerpoint/2010/main" val="1376339807"/>
       </p:ext>
     </p:extLst>
   </p:cSld>
@@ -8365,7 +8425,7 @@
           <a:p>
             <a:r>
               <a:rPr lang="en-US" dirty="0" smtClean="0"/>
-              <a:t>Build our own theme</a:t>
+              <a:t>Tools</a:t>
             </a:r>
             <a:endParaRPr lang="en-US" dirty="0"/>
           </a:p>
@@ -8386,14 +8446,103 @@
           <a:bodyPr/>
           <a:lstStyle/>
           <a:p>
-            <a:endParaRPr lang="en-US"/>
+            <a:r>
+              <a:rPr lang="en-US" dirty="0" smtClean="0"/>
+              <a:t>Clone/Download </a:t>
+            </a:r>
+            <a:r>
+              <a:rPr lang="en-US" dirty="0"/>
+              <a:t>the repository: </a:t>
+            </a:r>
+            <a:r>
+              <a:rPr lang="en-US" dirty="0">
+                <a:hlinkClick r:id="rId2"/>
+              </a:rPr>
+              <a:t>https://</a:t>
+            </a:r>
+            <a:r>
+              <a:rPr lang="en-US" dirty="0" smtClean="0">
+                <a:hlinkClick r:id="rId2"/>
+              </a:rPr>
+              <a:t>z.umn.edu/wits-chrome</a:t>
+            </a:r>
+            <a:r>
+              <a:rPr lang="en-US" dirty="0" smtClean="0"/>
+              <a:t> </a:t>
+            </a:r>
+            <a:endParaRPr lang="en-US" dirty="0"/>
+          </a:p>
+          <a:p>
+            <a:r>
+              <a:rPr lang="en-US" dirty="0" smtClean="0"/>
+              <a:t>Google Chrome - </a:t>
+            </a:r>
+            <a:r>
+              <a:rPr lang="en-US" dirty="0">
+                <a:hlinkClick r:id="rId3"/>
+              </a:rPr>
+              <a:t>https://www.google.com/chrome</a:t>
+            </a:r>
+            <a:r>
+              <a:rPr lang="en-US" dirty="0" smtClean="0">
+                <a:hlinkClick r:id="rId3"/>
+              </a:rPr>
+              <a:t>/</a:t>
+            </a:r>
+            <a:endParaRPr lang="en-US" dirty="0" smtClean="0"/>
+          </a:p>
+          <a:p>
+            <a:r>
+              <a:rPr lang="en-US" dirty="0" smtClean="0"/>
+              <a:t>Text editor:</a:t>
+            </a:r>
+          </a:p>
+          <a:p>
+            <a:pPr lvl="1"/>
+            <a:r>
+              <a:rPr lang="en-US" dirty="0" smtClean="0"/>
+              <a:t>VS Code – </a:t>
+            </a:r>
+            <a:r>
+              <a:rPr lang="en-US" dirty="0">
+                <a:hlinkClick r:id="rId4"/>
+              </a:rPr>
+              <a:t>https://code.visualstudio.com</a:t>
+            </a:r>
+            <a:r>
+              <a:rPr lang="en-US" dirty="0" smtClean="0">
+                <a:hlinkClick r:id="rId4"/>
+              </a:rPr>
+              <a:t>/</a:t>
+            </a:r>
+            <a:endParaRPr lang="en-US" dirty="0" smtClean="0"/>
+          </a:p>
+          <a:p>
+            <a:pPr lvl="1"/>
+            <a:r>
+              <a:rPr lang="en-US" dirty="0" smtClean="0"/>
+              <a:t>Atom –  </a:t>
+            </a:r>
+            <a:r>
+              <a:rPr lang="en-US" dirty="0">
+                <a:hlinkClick r:id="rId5"/>
+              </a:rPr>
+              <a:t>https://atom.io</a:t>
+            </a:r>
+            <a:r>
+              <a:rPr lang="en-US" dirty="0" smtClean="0">
+                <a:hlinkClick r:id="rId5"/>
+              </a:rPr>
+              <a:t>/</a:t>
+            </a:r>
+            <a:endParaRPr lang="en-US" dirty="0" smtClean="0"/>
           </a:p>
         </p:txBody>
       </p:sp>
     </p:spTree>
     <p:extLst>
       <p:ext uri="{BB962C8B-B14F-4D97-AF65-F5344CB8AC3E}">
-        <p14:creationId xmlns:p14="http://schemas.microsoft.com/office/powerpoint/2010/main" val="4130834240"/>
+        <p14:creationId xmlns:p14="http://schemas.microsoft.com/office/powerpoint/2010/main" val="477294762"/>
       </p:ext>
     </p:extLst>
   </p:cSld>
